--- a/DhirpalShah_FinalPresentation.pptx
+++ b/DhirpalShah_FinalPresentation.pptx
@@ -9,9 +9,10 @@
     <p:sldId id="257" r:id="rId3"/>
     <p:sldId id="258" r:id="rId4"/>
     <p:sldId id="259" r:id="rId5"/>
-    <p:sldId id="260" r:id="rId6"/>
-    <p:sldId id="261" r:id="rId7"/>
-    <p:sldId id="262" r:id="rId8"/>
+    <p:sldId id="263" r:id="rId6"/>
+    <p:sldId id="260" r:id="rId7"/>
+    <p:sldId id="261" r:id="rId8"/>
+    <p:sldId id="262" r:id="rId9"/>
   </p:sldIdLst>
   <p:sldSz cx="12192000" cy="6858000"/>
   <p:notesSz cx="6858000" cy="9144000"/>
@@ -110,6 +111,11 @@
       </a:defRPr>
     </a:lvl9pPr>
   </p:defaultTextStyle>
+  <p:extLst>
+    <p:ext uri="{EFAFB233-063F-42B5-8137-9DF3F51BA10A}">
+      <p15:sldGuideLst xmlns:p15="http://schemas.microsoft.com/office/powerpoint/2012/main"/>
+    </p:ext>
+  </p:extLst>
 </p:presentation>
 </file>
 
@@ -260,7 +266,7 @@
           <a:p>
             <a:fld id="{D89D5512-63D7-9845-90EA-EEDEF078FB96}" type="datetimeFigureOut">
               <a:rPr lang="en-US" smtClean="0"/>
-              <a:t>11/30/24</a:t>
+              <a:t>12/3/24</a:t>
             </a:fld>
             <a:endParaRPr lang="en-US"/>
           </a:p>
@@ -458,7 +464,7 @@
           <a:p>
             <a:fld id="{D89D5512-63D7-9845-90EA-EEDEF078FB96}" type="datetimeFigureOut">
               <a:rPr lang="en-US" smtClean="0"/>
-              <a:t>11/30/24</a:t>
+              <a:t>12/3/24</a:t>
             </a:fld>
             <a:endParaRPr lang="en-US"/>
           </a:p>
@@ -666,7 +672,7 @@
           <a:p>
             <a:fld id="{D89D5512-63D7-9845-90EA-EEDEF078FB96}" type="datetimeFigureOut">
               <a:rPr lang="en-US" smtClean="0"/>
-              <a:t>11/30/24</a:t>
+              <a:t>12/3/24</a:t>
             </a:fld>
             <a:endParaRPr lang="en-US"/>
           </a:p>
@@ -864,7 +870,7 @@
           <a:p>
             <a:fld id="{D89D5512-63D7-9845-90EA-EEDEF078FB96}" type="datetimeFigureOut">
               <a:rPr lang="en-US" smtClean="0"/>
-              <a:t>11/30/24</a:t>
+              <a:t>12/3/24</a:t>
             </a:fld>
             <a:endParaRPr lang="en-US"/>
           </a:p>
@@ -1139,7 +1145,7 @@
           <a:p>
             <a:fld id="{D89D5512-63D7-9845-90EA-EEDEF078FB96}" type="datetimeFigureOut">
               <a:rPr lang="en-US" smtClean="0"/>
-              <a:t>11/30/24</a:t>
+              <a:t>12/3/24</a:t>
             </a:fld>
             <a:endParaRPr lang="en-US"/>
           </a:p>
@@ -1404,7 +1410,7 @@
           <a:p>
             <a:fld id="{D89D5512-63D7-9845-90EA-EEDEF078FB96}" type="datetimeFigureOut">
               <a:rPr lang="en-US" smtClean="0"/>
-              <a:t>11/30/24</a:t>
+              <a:t>12/3/24</a:t>
             </a:fld>
             <a:endParaRPr lang="en-US"/>
           </a:p>
@@ -1816,7 +1822,7 @@
           <a:p>
             <a:fld id="{D89D5512-63D7-9845-90EA-EEDEF078FB96}" type="datetimeFigureOut">
               <a:rPr lang="en-US" smtClean="0"/>
-              <a:t>11/30/24</a:t>
+              <a:t>12/3/24</a:t>
             </a:fld>
             <a:endParaRPr lang="en-US"/>
           </a:p>
@@ -1957,7 +1963,7 @@
           <a:p>
             <a:fld id="{D89D5512-63D7-9845-90EA-EEDEF078FB96}" type="datetimeFigureOut">
               <a:rPr lang="en-US" smtClean="0"/>
-              <a:t>11/30/24</a:t>
+              <a:t>12/3/24</a:t>
             </a:fld>
             <a:endParaRPr lang="en-US"/>
           </a:p>
@@ -2070,7 +2076,7 @@
           <a:p>
             <a:fld id="{D89D5512-63D7-9845-90EA-EEDEF078FB96}" type="datetimeFigureOut">
               <a:rPr lang="en-US" smtClean="0"/>
-              <a:t>11/30/24</a:t>
+              <a:t>12/3/24</a:t>
             </a:fld>
             <a:endParaRPr lang="en-US"/>
           </a:p>
@@ -2381,7 +2387,7 @@
           <a:p>
             <a:fld id="{D89D5512-63D7-9845-90EA-EEDEF078FB96}" type="datetimeFigureOut">
               <a:rPr lang="en-US" smtClean="0"/>
-              <a:t>11/30/24</a:t>
+              <a:t>12/3/24</a:t>
             </a:fld>
             <a:endParaRPr lang="en-US"/>
           </a:p>
@@ -2669,7 +2675,7 @@
           <a:p>
             <a:fld id="{D89D5512-63D7-9845-90EA-EEDEF078FB96}" type="datetimeFigureOut">
               <a:rPr lang="en-US" smtClean="0"/>
-              <a:t>11/30/24</a:t>
+              <a:t>12/3/24</a:t>
             </a:fld>
             <a:endParaRPr lang="en-US"/>
           </a:p>
@@ -2910,7 +2916,7 @@
           <a:p>
             <a:fld id="{D89D5512-63D7-9845-90EA-EEDEF078FB96}" type="datetimeFigureOut">
               <a:rPr lang="en-US" smtClean="0"/>
-              <a:t>11/30/24</a:t>
+              <a:t>12/3/24</a:t>
             </a:fld>
             <a:endParaRPr lang="en-US"/>
           </a:p>
@@ -3779,6 +3785,20 @@
             </a:r>
           </a:p>
           <a:p>
+            <a:pPr lvl="1"/>
+            <a:r>
+              <a:rPr lang="en-US" dirty="0"/>
+              <a:t>City of Chicago census</a:t>
+            </a:r>
+          </a:p>
+          <a:p>
+            <a:pPr lvl="1"/>
+            <a:r>
+              <a:rPr lang="en-US" dirty="0"/>
+              <a:t>Used Altair + standard python packages</a:t>
+            </a:r>
+          </a:p>
+          <a:p>
             <a:r>
               <a:rPr lang="en-US" dirty="0"/>
               <a:t>generated choropleths to visualize spatial patterns</a:t>
@@ -3789,9 +3809,6 @@
               <a:rPr lang="en-US" dirty="0"/>
               <a:t>created scatter plots with regressions to identify trends</a:t>
             </a:r>
-          </a:p>
-          <a:p>
-            <a:endParaRPr lang="en-US" dirty="0"/>
           </a:p>
         </p:txBody>
       </p:sp>
@@ -3813,7 +3830,13 @@
   <p:cSld>
     <p:spTree>
       <p:nvGrpSpPr>
-        <p:cNvPr id="1" name=""/>
+        <p:cNvPr id="1" name="">
+          <a:extLst>
+            <a:ext uri="{FF2B5EF4-FFF2-40B4-BE49-F238E27FC236}">
+              <a16:creationId xmlns:a16="http://schemas.microsoft.com/office/drawing/2014/main" id="{C307D59A-8E9B-5C77-24BE-10F07A523AE2}"/>
+            </a:ext>
+          </a:extLst>
+        </p:cNvPr>
         <p:cNvGrpSpPr/>
         <p:nvPr/>
       </p:nvGrpSpPr>
@@ -3830,7 +3853,7 @@
           <p:cNvPr id="2" name="Title 1">
             <a:extLst>
               <a:ext uri="{FF2B5EF4-FFF2-40B4-BE49-F238E27FC236}">
-                <a16:creationId xmlns:a16="http://schemas.microsoft.com/office/drawing/2014/main" id="{933DBF68-72C5-D740-6744-EA4E91CF5765}"/>
+                <a16:creationId xmlns:a16="http://schemas.microsoft.com/office/drawing/2014/main" id="{D5EE4CA2-7742-20D0-3AB1-0D323359ADAB}"/>
               </a:ext>
             </a:extLst>
           </p:cNvPr>
@@ -3858,7 +3881,7 @@
           <p:cNvPr id="4" name="Picture 3" descr="A map of a city&#10;&#10;Description automatically generated">
             <a:extLst>
               <a:ext uri="{FF2B5EF4-FFF2-40B4-BE49-F238E27FC236}">
-                <a16:creationId xmlns:a16="http://schemas.microsoft.com/office/drawing/2014/main" id="{71119077-2514-4595-3FEB-55C97F813F73}"/>
+                <a16:creationId xmlns:a16="http://schemas.microsoft.com/office/drawing/2014/main" id="{B39C8F6E-E728-2B16-F6FE-47C2F1A10A4A}"/>
               </a:ext>
             </a:extLst>
           </p:cNvPr>
@@ -3881,7 +3904,7 @@
         </p:blipFill>
         <p:spPr>
           <a:xfrm>
-            <a:off x="620957" y="1405793"/>
+            <a:off x="57995" y="1309231"/>
             <a:ext cx="4037044" cy="2626360"/>
           </a:xfrm>
           <a:prstGeom prst="rect">
@@ -3894,7 +3917,7 @@
           <p:cNvPr id="5" name="Picture 4" descr="A map of a city&#10;&#10;Description automatically generated">
             <a:extLst>
               <a:ext uri="{FF2B5EF4-FFF2-40B4-BE49-F238E27FC236}">
-                <a16:creationId xmlns:a16="http://schemas.microsoft.com/office/drawing/2014/main" id="{2F64D8F0-D6B1-C47A-68CF-C096401788A5}"/>
+                <a16:creationId xmlns:a16="http://schemas.microsoft.com/office/drawing/2014/main" id="{12C7D68D-B069-2179-08F4-8A2FC6598D11}"/>
               </a:ext>
             </a:extLst>
           </p:cNvPr>
@@ -3917,7 +3940,7 @@
         </p:blipFill>
         <p:spPr>
           <a:xfrm>
-            <a:off x="811489" y="4245644"/>
+            <a:off x="339849" y="4218963"/>
             <a:ext cx="4010333" cy="2413126"/>
           </a:xfrm>
           <a:prstGeom prst="rect">
@@ -3930,7 +3953,7 @@
           <p:cNvPr id="6" name="Picture 5" descr="A map of a city&#10;&#10;Description automatically generated">
             <a:extLst>
               <a:ext uri="{FF2B5EF4-FFF2-40B4-BE49-F238E27FC236}">
-                <a16:creationId xmlns:a16="http://schemas.microsoft.com/office/drawing/2014/main" id="{5B1765E2-357E-BE86-C8A3-8FFFD5C02143}"/>
+                <a16:creationId xmlns:a16="http://schemas.microsoft.com/office/drawing/2014/main" id="{DDF93BE0-86A3-D1C5-BC97-037C2220E75F}"/>
               </a:ext>
             </a:extLst>
           </p:cNvPr>
@@ -3952,7 +3975,7 @@
         </p:blipFill>
         <p:spPr>
           <a:xfrm>
-            <a:off x="9162047" y="2076947"/>
+            <a:off x="9128483" y="760131"/>
             <a:ext cx="2918536" cy="3381830"/>
           </a:xfrm>
           <a:prstGeom prst="rect">
@@ -3962,10 +3985,10 @@
       </p:pic>
       <p:pic>
         <p:nvPicPr>
-          <p:cNvPr id="7" name="Picture 6" descr="A map of a city&#10;&#10;Description automatically generated">
-            <a:extLst>
-              <a:ext uri="{FF2B5EF4-FFF2-40B4-BE49-F238E27FC236}">
-                <a16:creationId xmlns:a16="http://schemas.microsoft.com/office/drawing/2014/main" id="{5CC71E43-C7A0-79C3-E171-D67044E8D846}"/>
+          <p:cNvPr id="8" name="Picture 7" descr="A graph with dots and lines&#10;&#10;Description automatically generated">
+            <a:extLst>
+              <a:ext uri="{FF2B5EF4-FFF2-40B4-BE49-F238E27FC236}">
+                <a16:creationId xmlns:a16="http://schemas.microsoft.com/office/drawing/2014/main" id="{65D87F38-BE7E-0B13-B40D-966CA85DA91B}"/>
               </a:ext>
             </a:extLst>
           </p:cNvPr>
@@ -3988,44 +4011,8 @@
         </p:blipFill>
         <p:spPr>
           <a:xfrm>
-            <a:off x="4821822" y="1399223"/>
-            <a:ext cx="4176404" cy="2632930"/>
-          </a:xfrm>
-          <a:prstGeom prst="rect">
-            <a:avLst/>
-          </a:prstGeom>
-        </p:spPr>
-      </p:pic>
-      <p:pic>
-        <p:nvPicPr>
-          <p:cNvPr id="8" name="Picture 7" descr="A graph with dots and lines&#10;&#10;Description automatically generated">
-            <a:extLst>
-              <a:ext uri="{FF2B5EF4-FFF2-40B4-BE49-F238E27FC236}">
-                <a16:creationId xmlns:a16="http://schemas.microsoft.com/office/drawing/2014/main" id="{2FB36FF1-01F7-3078-A459-06D8DCFB7FC5}"/>
-              </a:ext>
-            </a:extLst>
-          </p:cNvPr>
-          <p:cNvPicPr>
-            <a:picLocks noChangeAspect="1"/>
-          </p:cNvPicPr>
-          <p:nvPr/>
-        </p:nvPicPr>
-        <p:blipFill>
-          <a:blip r:embed="rId6" cstate="print">
-            <a:extLst>
-              <a:ext uri="{28A0092B-C50C-407E-A947-70E740481C1C}">
-                <a14:useLocalDpi xmlns:a14="http://schemas.microsoft.com/office/drawing/2010/main" val="0"/>
-              </a:ext>
-            </a:extLst>
-          </a:blip>
-          <a:stretch>
-            <a:fillRect/>
-          </a:stretch>
-        </p:blipFill>
-        <p:spPr>
-          <a:xfrm>
-            <a:off x="4821822" y="4167837"/>
-            <a:ext cx="4340225" cy="2626360"/>
+            <a:off x="4507704" y="2383299"/>
+            <a:ext cx="5287049" cy="3199303"/>
           </a:xfrm>
           <a:prstGeom prst="rect">
             <a:avLst/>
@@ -4035,7 +4022,7 @@
     </p:spTree>
     <p:extLst>
       <p:ext uri="{BB962C8B-B14F-4D97-AF65-F5344CB8AC3E}">
-        <p14:creationId xmlns:p14="http://schemas.microsoft.com/office/powerpoint/2010/main" val="1860916543"/>
+        <p14:creationId xmlns:p14="http://schemas.microsoft.com/office/powerpoint/2010/main" val="1141677572"/>
       </p:ext>
     </p:extLst>
   </p:cSld>
@@ -4062,6 +4049,95 @@
           <a:chExt cx="0" cy="0"/>
         </a:xfrm>
       </p:grpSpPr>
+      <p:pic>
+        <p:nvPicPr>
+          <p:cNvPr id="9" name="Picture 8" descr="A screenshot of a graph&#10;&#10;Description automatically generated">
+            <a:extLst>
+              <a:ext uri="{FF2B5EF4-FFF2-40B4-BE49-F238E27FC236}">
+                <a16:creationId xmlns:a16="http://schemas.microsoft.com/office/drawing/2014/main" id="{C0909086-B8DD-D172-6DC5-DBC177D35743}"/>
+              </a:ext>
+            </a:extLst>
+          </p:cNvPr>
+          <p:cNvPicPr>
+            <a:picLocks noChangeAspect="1"/>
+          </p:cNvPicPr>
+          <p:nvPr/>
+        </p:nvPicPr>
+        <p:blipFill>
+          <a:blip r:embed="rId2"/>
+          <a:srcRect l="1053" b="849"/>
+          <a:stretch/>
+        </p:blipFill>
+        <p:spPr>
+          <a:xfrm>
+            <a:off x="1299187" y="314586"/>
+            <a:ext cx="4315229" cy="6228827"/>
+          </a:xfrm>
+          <a:prstGeom prst="rect">
+            <a:avLst/>
+          </a:prstGeom>
+        </p:spPr>
+      </p:pic>
+      <p:pic>
+        <p:nvPicPr>
+          <p:cNvPr id="11" name="Picture 10" descr="A group of graphs with different colored dots&#10;&#10;Description automatically generated">
+            <a:extLst>
+              <a:ext uri="{FF2B5EF4-FFF2-40B4-BE49-F238E27FC236}">
+                <a16:creationId xmlns:a16="http://schemas.microsoft.com/office/drawing/2014/main" id="{54175291-9875-5044-08EA-CE03EC96E095}"/>
+              </a:ext>
+            </a:extLst>
+          </p:cNvPr>
+          <p:cNvPicPr>
+            <a:picLocks noChangeAspect="1"/>
+          </p:cNvPicPr>
+          <p:nvPr/>
+        </p:nvPicPr>
+        <p:blipFill>
+          <a:blip r:embed="rId3"/>
+          <a:stretch>
+            <a:fillRect/>
+          </a:stretch>
+        </p:blipFill>
+        <p:spPr>
+          <a:xfrm>
+            <a:off x="6713355" y="314586"/>
+            <a:ext cx="4315228" cy="6255005"/>
+          </a:xfrm>
+          <a:prstGeom prst="rect">
+            <a:avLst/>
+          </a:prstGeom>
+        </p:spPr>
+      </p:pic>
+    </p:spTree>
+    <p:extLst>
+      <p:ext uri="{BB962C8B-B14F-4D97-AF65-F5344CB8AC3E}">
+        <p14:creationId xmlns:p14="http://schemas.microsoft.com/office/powerpoint/2010/main" val="1860916543"/>
+      </p:ext>
+    </p:extLst>
+  </p:cSld>
+  <p:clrMapOvr>
+    <a:masterClrMapping/>
+  </p:clrMapOvr>
+</p:sld>
+</file>
+
+<file path=ppt/slides/slide7.xml><?xml version="1.0" encoding="utf-8"?>
+<p:sld xmlns:a="http://schemas.openxmlformats.org/drawingml/2006/main" xmlns:r="http://schemas.openxmlformats.org/officeDocument/2006/relationships" xmlns:p="http://schemas.openxmlformats.org/presentationml/2006/main">
+  <p:cSld>
+    <p:spTree>
+      <p:nvGrpSpPr>
+        <p:cNvPr id="1" name=""/>
+        <p:cNvGrpSpPr/>
+        <p:nvPr/>
+      </p:nvGrpSpPr>
+      <p:grpSpPr>
+        <a:xfrm>
+          <a:off x="0" y="0"/>
+          <a:ext cx="0" cy="0"/>
+          <a:chOff x="0" y="0"/>
+          <a:chExt cx="0" cy="0"/>
+        </a:xfrm>
+      </p:grpSpPr>
       <p:sp>
         <p:nvSpPr>
           <p:cNvPr id="2" name="Title 1">
@@ -4155,7 +4231,7 @@
 </p:sld>
 </file>
 
-<file path=ppt/slides/slide7.xml><?xml version="1.0" encoding="utf-8"?>
+<file path=ppt/slides/slide8.xml><?xml version="1.0" encoding="utf-8"?>
 <p:sld xmlns:a="http://schemas.openxmlformats.org/drawingml/2006/main" xmlns:r="http://schemas.openxmlformats.org/officeDocument/2006/relationships" xmlns:p="http://schemas.openxmlformats.org/presentationml/2006/main">
   <p:cSld>
     <p:spTree>
